--- a/Housekeeper Scheduling System (1).pptx
+++ b/Housekeeper Scheduling System (1).pptx
@@ -6,7 +6,7 @@
   </p:sldMasterIdLst>
   <p:sldIdLst>
     <p:sldId id="256" r:id="rId2"/>
-    <p:sldId id="279" r:id="rId3"/>
+    <p:sldId id="280" r:id="rId3"/>
     <p:sldId id="257" r:id="rId4"/>
     <p:sldId id="258" r:id="rId5"/>
     <p:sldId id="259" r:id="rId6"/>
@@ -6413,7 +6413,7 @@
           <p:cNvPr id="4" name="Content Placeholder 3">
             <a:extLst>
               <a:ext uri="{FF2B5EF4-FFF2-40B4-BE49-F238E27FC236}">
-                <a16:creationId xmlns="" xmlns:a16="http://schemas.microsoft.com/office/drawing/2014/main" id="{034292D5-28D2-4FB6-8CED-76A5718374A4}"/>
+                <a16:creationId xmlns:a16="http://schemas.microsoft.com/office/drawing/2014/main" xmlns="" id="{034292D5-28D2-4FB6-8CED-76A5718374A4}"/>
               </a:ext>
             </a:extLst>
           </p:cNvPr>
@@ -6531,7 +6531,7 @@
           <p:cNvPr id="4" name="Content Placeholder 14">
             <a:extLst>
               <a:ext uri="{FF2B5EF4-FFF2-40B4-BE49-F238E27FC236}">
-                <a16:creationId xmlns="" xmlns:a16="http://schemas.microsoft.com/office/drawing/2014/main" id="{88ABED30-7C54-470D-9CD6-C357C0DAFA1F}"/>
+                <a16:creationId xmlns:a16="http://schemas.microsoft.com/office/drawing/2014/main" xmlns="" id="{88ABED30-7C54-470D-9CD6-C357C0DAFA1F}"/>
               </a:ext>
             </a:extLst>
           </p:cNvPr>
@@ -7335,598 +7335,321 @@
       </p:grpSpPr>
       <p:sp>
         <p:nvSpPr>
-          <p:cNvPr id="4" name="Subtitle 2"/>
-          <p:cNvSpPr txBox="1">
-            <a:spLocks/>
-          </p:cNvSpPr>
-          <p:nvPr/>
+          <p:cNvPr id="2" name="Title 1"/>
+          <p:cNvSpPr>
+            <a:spLocks noGrp="1"/>
+          </p:cNvSpPr>
+          <p:nvPr>
+            <p:ph type="title"/>
+          </p:nvPr>
         </p:nvSpPr>
         <p:spPr>
           <a:xfrm>
-            <a:off x="626092" y="1196752"/>
-            <a:ext cx="3225828" cy="3744416"/>
-          </a:xfrm>
-          <a:prstGeom prst="rect">
-            <a:avLst/>
-          </a:prstGeom>
-        </p:spPr>
-        <p:txBody>
-          <a:bodyPr vert="horz">
+            <a:off x="467544" y="260648"/>
+            <a:ext cx="7543800" cy="1143000"/>
+          </a:xfrm>
+        </p:spPr>
+        <p:txBody>
+          <a:bodyPr>
             <a:normAutofit/>
           </a:bodyPr>
-          <a:lstStyle>
-            <a:lvl1pPr marL="274320" indent="-274320" algn="l" rtl="0" eaLnBrk="1" latinLnBrk="0" hangingPunct="1">
-              <a:spcBef>
-                <a:spcPts val="600"/>
-              </a:spcBef>
-              <a:buClr>
-                <a:schemeClr val="accent1"/>
-              </a:buClr>
-              <a:buSzPct val="70000"/>
-              <a:buFont typeface="Wingdings"/>
-              <a:buChar char=""/>
-              <a:defRPr kumimoji="0" sz="2400" kern="1200">
+          <a:lstStyle/>
+          <a:p>
+            <a:r>
+              <a:rPr lang="en-US" sz="3200" b="1" dirty="0" smtClean="0">
                 <a:solidFill>
-                  <a:schemeClr val="tx1"/>
+                  <a:schemeClr val="accent3">
+                    <a:lumMod val="60000"/>
+                    <a:lumOff val="40000"/>
+                  </a:schemeClr>
                 </a:solidFill>
-                <a:latin typeface="+mn-lt"/>
-                <a:ea typeface="+mn-ea"/>
-                <a:cs typeface="+mn-cs"/>
-              </a:defRPr>
-            </a:lvl1pPr>
-            <a:lvl2pPr marL="640080" indent="-274320" algn="l" rtl="0" eaLnBrk="1" latinLnBrk="0" hangingPunct="1">
-              <a:spcBef>
-                <a:spcPct val="20000"/>
-              </a:spcBef>
-              <a:buClr>
-                <a:schemeClr val="accent1"/>
-              </a:buClr>
-              <a:buSzPct val="80000"/>
-              <a:buFont typeface="Wingdings 2"/>
-              <a:buChar char=""/>
-              <a:defRPr kumimoji="0" sz="2100" kern="1200">
-                <a:solidFill>
-                  <a:schemeClr val="tx1"/>
-                </a:solidFill>
-                <a:latin typeface="+mn-lt"/>
-                <a:ea typeface="+mn-ea"/>
-                <a:cs typeface="+mn-cs"/>
-              </a:defRPr>
-            </a:lvl2pPr>
-            <a:lvl3pPr marL="914400" indent="-182880" algn="l" rtl="0" eaLnBrk="1" latinLnBrk="0" hangingPunct="1">
-              <a:spcBef>
-                <a:spcPct val="20000"/>
-              </a:spcBef>
-              <a:buClr>
-                <a:schemeClr val="accent1">
-                  <a:shade val="75000"/>
+                <a:latin typeface="Times New Roman" pitchFamily="18" charset="0"/>
+                <a:cs typeface="Times New Roman" pitchFamily="18" charset="0"/>
+              </a:rPr>
+              <a:t>Team Members</a:t>
+            </a:r>
+            <a:endParaRPr lang="en-IN" sz="3200" b="1" dirty="0">
+              <a:solidFill>
+                <a:schemeClr val="accent3">
+                  <a:lumMod val="60000"/>
+                  <a:lumOff val="40000"/>
                 </a:schemeClr>
-              </a:buClr>
-              <a:buSzPct val="60000"/>
-              <a:buFont typeface="Wingdings"/>
-              <a:buChar char=""/>
-              <a:defRPr kumimoji="0" sz="1800" kern="1200">
-                <a:solidFill>
-                  <a:schemeClr val="tx1"/>
-                </a:solidFill>
-                <a:latin typeface="+mn-lt"/>
-                <a:ea typeface="+mn-ea"/>
-                <a:cs typeface="+mn-cs"/>
-              </a:defRPr>
-            </a:lvl3pPr>
-            <a:lvl4pPr marL="1188720" indent="-182880" algn="l" rtl="0" eaLnBrk="1" latinLnBrk="0" hangingPunct="1">
-              <a:spcBef>
-                <a:spcPct val="20000"/>
-              </a:spcBef>
-              <a:buClr>
-                <a:schemeClr val="accent1">
-                  <a:tint val="60000"/>
-                </a:schemeClr>
-              </a:buClr>
-              <a:buSzPct val="60000"/>
-              <a:buFont typeface="Wingdings"/>
-              <a:buChar char=""/>
-              <a:defRPr kumimoji="0" sz="1800" kern="1200">
-                <a:solidFill>
-                  <a:schemeClr val="tx1"/>
-                </a:solidFill>
-                <a:latin typeface="+mn-lt"/>
-                <a:ea typeface="+mn-ea"/>
-                <a:cs typeface="+mn-cs"/>
-              </a:defRPr>
-            </a:lvl4pPr>
-            <a:lvl5pPr marL="1463040" indent="-182880" algn="l" rtl="0" eaLnBrk="1" latinLnBrk="0" hangingPunct="1">
-              <a:spcBef>
-                <a:spcPct val="20000"/>
-              </a:spcBef>
-              <a:buClr>
-                <a:schemeClr val="accent2">
-                  <a:tint val="60000"/>
-                </a:schemeClr>
-              </a:buClr>
-              <a:buSzPct val="68000"/>
-              <a:buFont typeface="Wingdings 2"/>
-              <a:buChar char=""/>
-              <a:defRPr kumimoji="0" sz="1600" kern="1200">
-                <a:solidFill>
-                  <a:schemeClr val="tx1"/>
-                </a:solidFill>
-                <a:latin typeface="+mn-lt"/>
-                <a:ea typeface="+mn-ea"/>
-                <a:cs typeface="+mn-cs"/>
-              </a:defRPr>
-            </a:lvl5pPr>
-            <a:lvl6pPr marL="1737360" indent="-182880" algn="l" rtl="0" eaLnBrk="1" latinLnBrk="0" hangingPunct="1">
-              <a:spcBef>
-                <a:spcPct val="20000"/>
-              </a:spcBef>
-              <a:buClr>
-                <a:schemeClr val="accent1"/>
-              </a:buClr>
-              <a:buChar char="•"/>
-              <a:defRPr kumimoji="0" sz="1600" kern="1200">
-                <a:solidFill>
-                  <a:schemeClr val="tx2"/>
-                </a:solidFill>
-                <a:latin typeface="+mn-lt"/>
-                <a:ea typeface="+mn-ea"/>
-                <a:cs typeface="+mn-cs"/>
-              </a:defRPr>
-            </a:lvl6pPr>
-            <a:lvl7pPr marL="2011680" indent="-182880" algn="l" rtl="0" eaLnBrk="1" latinLnBrk="0" hangingPunct="1">
-              <a:spcBef>
-                <a:spcPct val="20000"/>
-              </a:spcBef>
-              <a:buClr>
-                <a:schemeClr val="accent1">
-                  <a:tint val="60000"/>
-                </a:schemeClr>
-              </a:buClr>
-              <a:buSzPct val="60000"/>
-              <a:buFont typeface="Wingdings"/>
-              <a:buChar char=""/>
-              <a:defRPr kumimoji="0" sz="1400" kern="1200" baseline="0">
-                <a:solidFill>
-                  <a:schemeClr val="tx2"/>
-                </a:solidFill>
-                <a:latin typeface="+mn-lt"/>
-                <a:ea typeface="+mn-ea"/>
-                <a:cs typeface="+mn-cs"/>
-              </a:defRPr>
-            </a:lvl7pPr>
-            <a:lvl8pPr marL="2286000" indent="-182880" algn="l" rtl="0" eaLnBrk="1" latinLnBrk="0" hangingPunct="1">
-              <a:spcBef>
-                <a:spcPct val="20000"/>
-              </a:spcBef>
-              <a:buClr>
-                <a:schemeClr val="accent2"/>
-              </a:buClr>
-              <a:buChar char="•"/>
-              <a:defRPr kumimoji="0" sz="1400" kern="1200" cap="small" baseline="0">
-                <a:solidFill>
-                  <a:schemeClr val="tx2"/>
-                </a:solidFill>
-                <a:latin typeface="+mn-lt"/>
-                <a:ea typeface="+mn-ea"/>
-                <a:cs typeface="+mn-cs"/>
-              </a:defRPr>
-            </a:lvl8pPr>
-            <a:lvl9pPr marL="2560320" indent="-182880" algn="l" rtl="0" eaLnBrk="1" latinLnBrk="0" hangingPunct="1">
-              <a:spcBef>
-                <a:spcPct val="20000"/>
-              </a:spcBef>
-              <a:buClr>
-                <a:schemeClr val="accent1">
-                  <a:shade val="75000"/>
-                </a:schemeClr>
-              </a:buClr>
-              <a:buChar char="•"/>
-              <a:defRPr kumimoji="0" sz="1400" kern="1200" baseline="0">
-                <a:solidFill>
-                  <a:schemeClr val="tx2"/>
-                </a:solidFill>
-                <a:latin typeface="+mn-lt"/>
-                <a:ea typeface="+mn-ea"/>
-                <a:cs typeface="+mn-cs"/>
-              </a:defRPr>
-            </a:lvl9pPr>
-          </a:lstStyle>
+              </a:solidFill>
+              <a:latin typeface="Times New Roman" pitchFamily="18" charset="0"/>
+              <a:cs typeface="Times New Roman" pitchFamily="18" charset="0"/>
+            </a:endParaRPr>
+          </a:p>
+        </p:txBody>
+      </p:sp>
+      <p:sp>
+        <p:nvSpPr>
+          <p:cNvPr id="5" name="Content Placeholder 4"/>
+          <p:cNvSpPr>
+            <a:spLocks noGrp="1"/>
+          </p:cNvSpPr>
+          <p:nvPr>
+            <p:ph sz="quarter" idx="2"/>
+          </p:nvPr>
+        </p:nvSpPr>
+        <p:spPr/>
+        <p:txBody>
+          <a:bodyPr/>
+          <a:lstStyle/>
+          <a:p>
+            <a:pPr>
+              <a:buFont typeface="Wingdings" pitchFamily="2" charset="2"/>
+              <a:buChar char="§"/>
+            </a:pPr>
+            <a:r>
+              <a:rPr lang="en-IN" dirty="0">
+                <a:latin typeface="Times New Roman" pitchFamily="18" charset="0"/>
+                <a:cs typeface="Times New Roman" pitchFamily="18" charset="0"/>
+              </a:rPr>
+              <a:t>Nischal B Patil </a:t>
+            </a:r>
+            <a:r>
+              <a:rPr lang="en-IN" dirty="0" smtClean="0">
+                <a:latin typeface="Times New Roman" pitchFamily="18" charset="0"/>
+                <a:cs typeface="Times New Roman" pitchFamily="18" charset="0"/>
+              </a:rPr>
+              <a:t>(Lead</a:t>
+            </a:r>
+            <a:r>
+              <a:rPr lang="en-IN" dirty="0">
+                <a:latin typeface="Times New Roman" pitchFamily="18" charset="0"/>
+                <a:cs typeface="Times New Roman" pitchFamily="18" charset="0"/>
+              </a:rPr>
+              <a:t>)</a:t>
+            </a:r>
+          </a:p>
+          <a:p>
+            <a:pPr>
+              <a:buFont typeface="Wingdings" pitchFamily="2" charset="2"/>
+              <a:buChar char="§"/>
+            </a:pPr>
+            <a:r>
+              <a:rPr lang="en-IN" dirty="0">
+                <a:latin typeface="Times New Roman" pitchFamily="18" charset="0"/>
+                <a:cs typeface="Times New Roman" pitchFamily="18" charset="0"/>
+              </a:rPr>
+              <a:t>Pavithra B</a:t>
+            </a:r>
+          </a:p>
+          <a:p>
+            <a:pPr>
+              <a:buFont typeface="Wingdings" pitchFamily="2" charset="2"/>
+              <a:buChar char="§"/>
+            </a:pPr>
+            <a:r>
+              <a:rPr lang="en-IN" dirty="0">
+                <a:latin typeface="Times New Roman" pitchFamily="18" charset="0"/>
+                <a:cs typeface="Times New Roman" pitchFamily="18" charset="0"/>
+              </a:rPr>
+              <a:t>Ronali Panda</a:t>
+            </a:r>
+          </a:p>
+          <a:p>
+            <a:pPr>
+              <a:buFont typeface="Wingdings" pitchFamily="2" charset="2"/>
+              <a:buChar char="§"/>
+            </a:pPr>
+            <a:r>
+              <a:rPr lang="en-IN" dirty="0">
+                <a:latin typeface="Times New Roman" pitchFamily="18" charset="0"/>
+                <a:cs typeface="Times New Roman" pitchFamily="18" charset="0"/>
+              </a:rPr>
+              <a:t>Dhananjay Dinkar Merat</a:t>
+            </a:r>
+          </a:p>
+          <a:p>
+            <a:pPr>
+              <a:buFont typeface="Wingdings" pitchFamily="2" charset="2"/>
+              <a:buChar char="§"/>
+            </a:pPr>
+            <a:r>
+              <a:rPr lang="en-IN" dirty="0">
+                <a:latin typeface="Times New Roman" pitchFamily="18" charset="0"/>
+                <a:cs typeface="Times New Roman" pitchFamily="18" charset="0"/>
+              </a:rPr>
+              <a:t>Jatin X</a:t>
+            </a:r>
+          </a:p>
+        </p:txBody>
+      </p:sp>
+      <p:sp>
+        <p:nvSpPr>
+          <p:cNvPr id="7" name="Content Placeholder 6"/>
+          <p:cNvSpPr>
+            <a:spLocks noGrp="1"/>
+          </p:cNvSpPr>
+          <p:nvPr>
+            <p:ph sz="quarter" idx="4"/>
+          </p:nvPr>
+        </p:nvSpPr>
+        <p:spPr/>
+        <p:txBody>
+          <a:bodyPr/>
+          <a:lstStyle/>
+          <a:p>
+            <a:pPr>
+              <a:buFont typeface="Wingdings" pitchFamily="2" charset="2"/>
+              <a:buChar char="§"/>
+            </a:pPr>
+            <a:r>
+              <a:rPr lang="en-IN" dirty="0" smtClean="0">
+                <a:latin typeface="Times New Roman" pitchFamily="18" charset="0"/>
+                <a:cs typeface="Times New Roman" pitchFamily="18" charset="0"/>
+              </a:rPr>
+              <a:t>Nagolu Suresh</a:t>
+            </a:r>
+          </a:p>
+          <a:p>
+            <a:pPr>
+              <a:buFont typeface="Wingdings" pitchFamily="2" charset="2"/>
+              <a:buChar char="§"/>
+            </a:pPr>
+            <a:r>
+              <a:rPr lang="en-IN" dirty="0">
+                <a:latin typeface="Times New Roman" pitchFamily="18" charset="0"/>
+                <a:cs typeface="Times New Roman" pitchFamily="18" charset="0"/>
+              </a:rPr>
+              <a:t>Gone Nitheesh</a:t>
+            </a:r>
+          </a:p>
+          <a:p>
+            <a:pPr>
+              <a:buFont typeface="Wingdings" pitchFamily="2" charset="2"/>
+              <a:buChar char="§"/>
+            </a:pPr>
+            <a:r>
+              <a:rPr lang="en-IN" dirty="0">
+                <a:latin typeface="Times New Roman" pitchFamily="18" charset="0"/>
+                <a:cs typeface="Times New Roman" pitchFamily="18" charset="0"/>
+              </a:rPr>
+              <a:t>Ashok Uttam </a:t>
+            </a:r>
+            <a:r>
+              <a:rPr lang="en-IN" dirty="0" smtClean="0">
+                <a:latin typeface="Times New Roman" pitchFamily="18" charset="0"/>
+                <a:cs typeface="Times New Roman" pitchFamily="18" charset="0"/>
+              </a:rPr>
+              <a:t>Bhise</a:t>
+            </a:r>
+          </a:p>
+          <a:p>
+            <a:pPr>
+              <a:buFont typeface="Wingdings" pitchFamily="2" charset="2"/>
+              <a:buChar char="§"/>
+            </a:pPr>
+            <a:r>
+              <a:rPr lang="en-IN" dirty="0">
+                <a:latin typeface="Times New Roman" pitchFamily="18" charset="0"/>
+                <a:cs typeface="Times New Roman" pitchFamily="18" charset="0"/>
+              </a:rPr>
+              <a:t>Chintapalli Shaik Farook</a:t>
+            </a:r>
+          </a:p>
           <a:p>
             <a:pPr marL="0" indent="0">
               <a:buNone/>
             </a:pPr>
-            <a:r>
-              <a:rPr lang="en-US" dirty="0" smtClean="0">
-                <a:latin typeface="Times New Roman" pitchFamily="18" charset="0"/>
-                <a:cs typeface="Times New Roman" pitchFamily="18" charset="0"/>
-              </a:rPr>
-              <a:t>Frontend Members  </a:t>
-            </a:r>
-          </a:p>
-          <a:p>
-            <a:pPr marL="0" indent="0">
-              <a:buNone/>
-            </a:pPr>
-            <a:endParaRPr lang="en-US" dirty="0" smtClean="0">
-              <a:latin typeface="Times New Roman" pitchFamily="18" charset="0"/>
-              <a:cs typeface="Times New Roman" pitchFamily="18" charset="0"/>
-            </a:endParaRPr>
-          </a:p>
-          <a:p>
-            <a:r>
-              <a:rPr lang="en-IN" dirty="0" err="1" smtClean="0">
-                <a:latin typeface="Times New Roman" pitchFamily="18" charset="0"/>
-                <a:cs typeface="Times New Roman" pitchFamily="18" charset="0"/>
-              </a:rPr>
-              <a:t>Nischal</a:t>
-            </a:r>
-            <a:r>
-              <a:rPr lang="en-IN" dirty="0" smtClean="0">
-                <a:latin typeface="Times New Roman" pitchFamily="18" charset="0"/>
-                <a:cs typeface="Times New Roman" pitchFamily="18" charset="0"/>
-              </a:rPr>
-              <a:t> B </a:t>
-            </a:r>
-            <a:r>
-              <a:rPr lang="en-IN" dirty="0" err="1" smtClean="0">
-                <a:latin typeface="Times New Roman" pitchFamily="18" charset="0"/>
-                <a:cs typeface="Times New Roman" pitchFamily="18" charset="0"/>
-              </a:rPr>
-              <a:t>Patil</a:t>
-            </a:r>
-            <a:r>
-              <a:rPr lang="en-IN" dirty="0" smtClean="0">
-                <a:latin typeface="Times New Roman" pitchFamily="18" charset="0"/>
-                <a:cs typeface="Times New Roman" pitchFamily="18" charset="0"/>
-              </a:rPr>
-              <a:t> (Lead)</a:t>
-            </a:r>
-          </a:p>
-          <a:p>
-            <a:r>
-              <a:rPr lang="en-IN" dirty="0" err="1">
-                <a:latin typeface="Times New Roman" pitchFamily="18" charset="0"/>
-                <a:cs typeface="Times New Roman" pitchFamily="18" charset="0"/>
-              </a:rPr>
-              <a:t>Pavithra</a:t>
-            </a:r>
-            <a:r>
-              <a:rPr lang="en-IN" dirty="0">
-                <a:latin typeface="Times New Roman" pitchFamily="18" charset="0"/>
-                <a:cs typeface="Times New Roman" pitchFamily="18" charset="0"/>
-              </a:rPr>
-              <a:t> </a:t>
-            </a:r>
-            <a:r>
-              <a:rPr lang="en-IN" dirty="0" smtClean="0">
-                <a:latin typeface="Times New Roman" pitchFamily="18" charset="0"/>
-                <a:cs typeface="Times New Roman" pitchFamily="18" charset="0"/>
-              </a:rPr>
-              <a:t>B</a:t>
-            </a:r>
-          </a:p>
-          <a:p>
-            <a:r>
-              <a:rPr lang="en-IN" dirty="0" err="1" smtClean="0">
-                <a:latin typeface="Times New Roman" pitchFamily="18" charset="0"/>
-                <a:cs typeface="Times New Roman" pitchFamily="18" charset="0"/>
-              </a:rPr>
-              <a:t>Ronali</a:t>
-            </a:r>
-            <a:r>
-              <a:rPr lang="en-IN" dirty="0" smtClean="0">
-                <a:latin typeface="Times New Roman" pitchFamily="18" charset="0"/>
-                <a:cs typeface="Times New Roman" pitchFamily="18" charset="0"/>
-              </a:rPr>
-              <a:t> Panda</a:t>
-            </a:r>
-          </a:p>
-          <a:p>
-            <a:r>
-              <a:rPr lang="en-IN" dirty="0" err="1" smtClean="0">
-                <a:latin typeface="Times New Roman" pitchFamily="18" charset="0"/>
-                <a:cs typeface="Times New Roman" pitchFamily="18" charset="0"/>
-              </a:rPr>
-              <a:t>Dhananjay</a:t>
-            </a:r>
-            <a:r>
-              <a:rPr lang="en-IN" dirty="0" smtClean="0">
-                <a:latin typeface="Times New Roman" pitchFamily="18" charset="0"/>
-                <a:cs typeface="Times New Roman" pitchFamily="18" charset="0"/>
-              </a:rPr>
-              <a:t> </a:t>
-            </a:r>
-            <a:r>
-              <a:rPr lang="en-IN" dirty="0" err="1" smtClean="0">
-                <a:latin typeface="Times New Roman" pitchFamily="18" charset="0"/>
-                <a:cs typeface="Times New Roman" pitchFamily="18" charset="0"/>
-              </a:rPr>
-              <a:t>Dinkar</a:t>
-            </a:r>
-            <a:r>
-              <a:rPr lang="en-IN" dirty="0" smtClean="0">
-                <a:latin typeface="Times New Roman" pitchFamily="18" charset="0"/>
-                <a:cs typeface="Times New Roman" pitchFamily="18" charset="0"/>
-              </a:rPr>
-              <a:t> </a:t>
-            </a:r>
-            <a:r>
-              <a:rPr lang="en-IN" dirty="0" err="1" smtClean="0">
-                <a:latin typeface="Times New Roman" pitchFamily="18" charset="0"/>
-                <a:cs typeface="Times New Roman" pitchFamily="18" charset="0"/>
-              </a:rPr>
-              <a:t>Merat</a:t>
-            </a:r>
-            <a:endParaRPr lang="en-IN" dirty="0" smtClean="0">
-              <a:latin typeface="Times New Roman" pitchFamily="18" charset="0"/>
-              <a:cs typeface="Times New Roman" pitchFamily="18" charset="0"/>
-            </a:endParaRPr>
-          </a:p>
-          <a:p>
-            <a:r>
-              <a:rPr lang="en-IN" dirty="0" err="1" smtClean="0">
-                <a:latin typeface="Times New Roman" pitchFamily="18" charset="0"/>
-                <a:cs typeface="Times New Roman" pitchFamily="18" charset="0"/>
-              </a:rPr>
-              <a:t>Jatin</a:t>
-            </a:r>
-            <a:r>
-              <a:rPr lang="en-IN" dirty="0" smtClean="0">
-                <a:latin typeface="Times New Roman" pitchFamily="18" charset="0"/>
-                <a:cs typeface="Times New Roman" pitchFamily="18" charset="0"/>
-              </a:rPr>
-              <a:t> X</a:t>
-            </a:r>
-          </a:p>
-          <a:p>
-            <a:endParaRPr lang="en-IN" dirty="0" smtClean="0">
-              <a:latin typeface="Times New Roman" pitchFamily="18" charset="0"/>
-              <a:cs typeface="Times New Roman" pitchFamily="18" charset="0"/>
-            </a:endParaRPr>
-          </a:p>
-          <a:p>
-            <a:endParaRPr lang="en-IN" dirty="0" smtClean="0">
-              <a:latin typeface="Times New Roman" pitchFamily="18" charset="0"/>
-              <a:cs typeface="Times New Roman" pitchFamily="18" charset="0"/>
-            </a:endParaRPr>
-          </a:p>
-          <a:p>
-            <a:endParaRPr lang="en-IN" dirty="0" smtClean="0">
-              <a:latin typeface="Times New Roman" pitchFamily="18" charset="0"/>
-              <a:cs typeface="Times New Roman" pitchFamily="18" charset="0"/>
-            </a:endParaRPr>
-          </a:p>
-          <a:p>
             <a:endParaRPr lang="en-IN" dirty="0">
               <a:latin typeface="Times New Roman" pitchFamily="18" charset="0"/>
               <a:cs typeface="Times New Roman" pitchFamily="18" charset="0"/>
             </a:endParaRPr>
           </a:p>
-        </p:txBody>
-      </p:sp>
-      <p:sp>
-        <p:nvSpPr>
-          <p:cNvPr id="7" name="TextBox 6"/>
-          <p:cNvSpPr txBox="1"/>
-          <p:nvPr/>
-        </p:nvSpPr>
-        <p:spPr>
-          <a:xfrm>
-            <a:off x="5364088" y="1183682"/>
-            <a:ext cx="3024336" cy="4985980"/>
-          </a:xfrm>
-          <a:prstGeom prst="rect">
-            <a:avLst/>
-          </a:prstGeom>
-          <a:noFill/>
-        </p:spPr>
-        <p:txBody>
-          <a:bodyPr wrap="square" rtlCol="0">
-            <a:spAutoFit/>
-          </a:bodyPr>
-          <a:lstStyle/>
-          <a:p>
-            <a:r>
-              <a:rPr lang="en-US" sz="2400" dirty="0" smtClean="0">
-                <a:latin typeface="Times New Roman" pitchFamily="18" charset="0"/>
-                <a:cs typeface="Times New Roman" pitchFamily="18" charset="0"/>
-              </a:rPr>
-              <a:t>Backend Members</a:t>
-            </a:r>
-          </a:p>
-          <a:p>
-            <a:endParaRPr lang="en-US" dirty="0" smtClean="0">
+          <a:p>
+            <a:pPr marL="0" indent="0">
+              <a:buNone/>
+            </a:pPr>
+            <a:endParaRPr lang="en-IN" dirty="0">
               <a:latin typeface="Times New Roman" pitchFamily="18" charset="0"/>
               <a:cs typeface="Times New Roman" pitchFamily="18" charset="0"/>
             </a:endParaRPr>
           </a:p>
           <a:p>
-            <a:pPr marL="342900" indent="-342900">
-              <a:buClr>
-                <a:schemeClr val="accent1"/>
-              </a:buClr>
-              <a:buFont typeface="Courier New" pitchFamily="49" charset="0"/>
-              <a:buChar char="o"/>
-            </a:pPr>
-            <a:r>
-              <a:rPr lang="en-IN" sz="2400" dirty="0" err="1">
-                <a:latin typeface="Times New Roman" pitchFamily="18" charset="0"/>
-                <a:cs typeface="Times New Roman" pitchFamily="18" charset="0"/>
-              </a:rPr>
-              <a:t>Nagolu</a:t>
-            </a:r>
-            <a:r>
-              <a:rPr lang="en-IN" sz="2400" dirty="0">
-                <a:latin typeface="Times New Roman" pitchFamily="18" charset="0"/>
-                <a:cs typeface="Times New Roman" pitchFamily="18" charset="0"/>
-              </a:rPr>
-              <a:t> Suresh</a:t>
-            </a:r>
-          </a:p>
-          <a:p>
-            <a:pPr marL="342900" indent="-342900">
-              <a:buClr>
-                <a:schemeClr val="accent1"/>
-              </a:buClr>
-              <a:buFont typeface="Courier New" pitchFamily="49" charset="0"/>
-              <a:buChar char="o"/>
-            </a:pPr>
-            <a:r>
-              <a:rPr lang="en-IN" sz="2400" dirty="0" smtClean="0">
-                <a:latin typeface="Times New Roman" pitchFamily="18" charset="0"/>
-                <a:cs typeface="Times New Roman" pitchFamily="18" charset="0"/>
-              </a:rPr>
-              <a:t>Gone </a:t>
-            </a:r>
-            <a:r>
-              <a:rPr lang="en-IN" sz="2400" dirty="0" err="1" smtClean="0">
-                <a:latin typeface="Times New Roman" pitchFamily="18" charset="0"/>
-                <a:cs typeface="Times New Roman" pitchFamily="18" charset="0"/>
-              </a:rPr>
-              <a:t>Nitheesh</a:t>
-            </a:r>
-            <a:endParaRPr lang="en-IN" sz="2400" dirty="0" smtClean="0">
+            <a:endParaRPr lang="en-IN" dirty="0">
               <a:latin typeface="Times New Roman" pitchFamily="18" charset="0"/>
               <a:cs typeface="Times New Roman" pitchFamily="18" charset="0"/>
             </a:endParaRPr>
           </a:p>
           <a:p>
-            <a:pPr marL="342900" indent="-342900">
-              <a:buClr>
-                <a:schemeClr val="accent1"/>
-              </a:buClr>
-              <a:buFont typeface="Courier New" pitchFamily="49" charset="0"/>
-              <a:buChar char="o"/>
-            </a:pPr>
-            <a:r>
-              <a:rPr lang="en-IN" sz="2400" dirty="0">
-                <a:latin typeface="Times New Roman" pitchFamily="18" charset="0"/>
-                <a:cs typeface="Times New Roman" pitchFamily="18" charset="0"/>
-              </a:rPr>
-              <a:t>Ashok </a:t>
-            </a:r>
-            <a:r>
-              <a:rPr lang="en-IN" sz="2400" dirty="0" err="1">
-                <a:latin typeface="Times New Roman" pitchFamily="18" charset="0"/>
-                <a:cs typeface="Times New Roman" pitchFamily="18" charset="0"/>
-              </a:rPr>
-              <a:t>Uttam</a:t>
-            </a:r>
-            <a:r>
-              <a:rPr lang="en-IN" sz="2400" dirty="0">
-                <a:latin typeface="Times New Roman" pitchFamily="18" charset="0"/>
-                <a:cs typeface="Times New Roman" pitchFamily="18" charset="0"/>
-              </a:rPr>
-              <a:t> </a:t>
-            </a:r>
-            <a:r>
-              <a:rPr lang="en-IN" sz="2400" dirty="0" err="1" smtClean="0">
-                <a:latin typeface="Times New Roman" pitchFamily="18" charset="0"/>
-                <a:cs typeface="Times New Roman" pitchFamily="18" charset="0"/>
-              </a:rPr>
-              <a:t>Bhise</a:t>
-            </a:r>
-            <a:endParaRPr lang="en-IN" sz="2400" dirty="0" smtClean="0">
-              <a:latin typeface="Times New Roman" pitchFamily="18" charset="0"/>
-              <a:cs typeface="Times New Roman" pitchFamily="18" charset="0"/>
-            </a:endParaRPr>
-          </a:p>
-          <a:p>
-            <a:pPr marL="342900" indent="-342900">
-              <a:buClr>
-                <a:schemeClr val="accent1"/>
-              </a:buClr>
-              <a:buFont typeface="Courier New" pitchFamily="49" charset="0"/>
-              <a:buChar char="o"/>
-            </a:pPr>
-            <a:r>
-              <a:rPr lang="en-IN" sz="2400" dirty="0" err="1">
-                <a:latin typeface="Times New Roman" pitchFamily="18" charset="0"/>
-                <a:cs typeface="Times New Roman" pitchFamily="18" charset="0"/>
-              </a:rPr>
-              <a:t>Chintapalli</a:t>
-            </a:r>
-            <a:r>
-              <a:rPr lang="en-IN" sz="2400" dirty="0">
-                <a:latin typeface="Times New Roman" pitchFamily="18" charset="0"/>
-                <a:cs typeface="Times New Roman" pitchFamily="18" charset="0"/>
-              </a:rPr>
-              <a:t> </a:t>
-            </a:r>
-            <a:r>
-              <a:rPr lang="en-IN" sz="2400" dirty="0" err="1">
-                <a:latin typeface="Times New Roman" pitchFamily="18" charset="0"/>
-                <a:cs typeface="Times New Roman" pitchFamily="18" charset="0"/>
-              </a:rPr>
-              <a:t>Shaik</a:t>
-            </a:r>
-            <a:r>
-              <a:rPr lang="en-IN" sz="2400" dirty="0">
-                <a:latin typeface="Times New Roman" pitchFamily="18" charset="0"/>
-                <a:cs typeface="Times New Roman" pitchFamily="18" charset="0"/>
-              </a:rPr>
-              <a:t> </a:t>
-            </a:r>
-            <a:r>
-              <a:rPr lang="en-IN" sz="2400" dirty="0" err="1">
-                <a:latin typeface="Times New Roman" pitchFamily="18" charset="0"/>
-                <a:cs typeface="Times New Roman" pitchFamily="18" charset="0"/>
-              </a:rPr>
-              <a:t>Farook</a:t>
+            <a:endParaRPr lang="en-IN" dirty="0"/>
+          </a:p>
+        </p:txBody>
+      </p:sp>
+      <p:sp>
+        <p:nvSpPr>
+          <p:cNvPr id="4" name="Text Placeholder 3"/>
+          <p:cNvSpPr>
+            <a:spLocks noGrp="1"/>
+          </p:cNvSpPr>
+          <p:nvPr>
+            <p:ph type="body" sz="quarter" idx="1"/>
+          </p:nvPr>
+        </p:nvSpPr>
+        <p:spPr/>
+        <p:txBody>
+          <a:bodyPr/>
+          <a:lstStyle/>
+          <a:p>
+            <a:r>
+              <a:rPr lang="en-US" sz="2400" dirty="0" smtClean="0">
+                <a:latin typeface="Times New Roman" pitchFamily="18" charset="0"/>
+                <a:cs typeface="Times New Roman" pitchFamily="18" charset="0"/>
+              </a:rPr>
+              <a:t>FrontEnd </a:t>
+            </a:r>
+            <a:r>
+              <a:rPr lang="en-US" sz="2400" dirty="0">
+                <a:latin typeface="Times New Roman" pitchFamily="18" charset="0"/>
+                <a:cs typeface="Times New Roman" pitchFamily="18" charset="0"/>
+              </a:rPr>
+              <a:t>Members</a:t>
+            </a:r>
+            <a:r>
+              <a:rPr lang="en-US" sz="2800" dirty="0">
+                <a:latin typeface="Times New Roman" pitchFamily="18" charset="0"/>
+                <a:cs typeface="Times New Roman" pitchFamily="18" charset="0"/>
+              </a:rPr>
+              <a:t>  </a:t>
+            </a:r>
+          </a:p>
+        </p:txBody>
+      </p:sp>
+      <p:sp>
+        <p:nvSpPr>
+          <p:cNvPr id="6" name="Text Placeholder 5"/>
+          <p:cNvSpPr>
+            <a:spLocks noGrp="1"/>
+          </p:cNvSpPr>
+          <p:nvPr>
+            <p:ph type="body" sz="quarter" idx="3"/>
+          </p:nvPr>
+        </p:nvSpPr>
+        <p:spPr/>
+        <p:txBody>
+          <a:bodyPr/>
+          <a:lstStyle/>
+          <a:p>
+            <a:r>
+              <a:rPr lang="en-US" sz="2400" dirty="0" smtClean="0">
+                <a:latin typeface="Times New Roman" pitchFamily="18" charset="0"/>
+                <a:cs typeface="Times New Roman" pitchFamily="18" charset="0"/>
+              </a:rPr>
+              <a:t>BackEnd Members</a:t>
             </a:r>
             <a:endParaRPr lang="en-IN" sz="2400" dirty="0">
               <a:latin typeface="Times New Roman" pitchFamily="18" charset="0"/>
               <a:cs typeface="Times New Roman" pitchFamily="18" charset="0"/>
             </a:endParaRPr>
           </a:p>
-          <a:p>
-            <a:endParaRPr lang="en-IN" sz="2400" dirty="0" smtClean="0">
-              <a:latin typeface="Times New Roman" pitchFamily="18" charset="0"/>
-              <a:cs typeface="Times New Roman" pitchFamily="18" charset="0"/>
-            </a:endParaRPr>
-          </a:p>
-          <a:p>
-            <a:endParaRPr lang="en-IN" sz="2400" dirty="0">
-              <a:latin typeface="Times New Roman" pitchFamily="18" charset="0"/>
-              <a:cs typeface="Times New Roman" pitchFamily="18" charset="0"/>
-            </a:endParaRPr>
-          </a:p>
-          <a:p>
-            <a:endParaRPr lang="en-IN" dirty="0" smtClean="0">
-              <a:latin typeface="Times New Roman" pitchFamily="18" charset="0"/>
-              <a:cs typeface="Times New Roman" pitchFamily="18" charset="0"/>
-            </a:endParaRPr>
-          </a:p>
-          <a:p>
-            <a:endParaRPr lang="en-IN" dirty="0" smtClean="0">
-              <a:latin typeface="Times New Roman" pitchFamily="18" charset="0"/>
-              <a:cs typeface="Times New Roman" pitchFamily="18" charset="0"/>
-            </a:endParaRPr>
-          </a:p>
-          <a:p>
-            <a:endParaRPr lang="en-IN" dirty="0" smtClean="0">
-              <a:latin typeface="Times New Roman" pitchFamily="18" charset="0"/>
-              <a:cs typeface="Times New Roman" pitchFamily="18" charset="0"/>
-            </a:endParaRPr>
-          </a:p>
-          <a:p>
-            <a:endParaRPr lang="en-IN" dirty="0">
-              <a:latin typeface="Times New Roman" pitchFamily="18" charset="0"/>
-              <a:cs typeface="Times New Roman" pitchFamily="18" charset="0"/>
-            </a:endParaRPr>
-          </a:p>
-          <a:p>
-            <a:endParaRPr lang="en-US" dirty="0" smtClean="0"/>
-          </a:p>
-          <a:p>
-            <a:endParaRPr lang="en-IN" dirty="0"/>
-          </a:p>
         </p:txBody>
       </p:sp>
     </p:spTree>
     <p:extLst>
       <p:ext uri="{BB962C8B-B14F-4D97-AF65-F5344CB8AC3E}">
-        <p14:creationId xmlns:p14="http://schemas.microsoft.com/office/powerpoint/2010/main" val="1479752385"/>
+        <p14:creationId xmlns:p14="http://schemas.microsoft.com/office/powerpoint/2010/main" val="2543024287"/>
       </p:ext>
     </p:extLst>
   </p:cSld>
@@ -8557,7 +8280,12 @@
             <p:ph sz="quarter" idx="1"/>
           </p:nvPr>
         </p:nvSpPr>
-        <p:spPr/>
+        <p:spPr>
+          <a:xfrm>
+            <a:off x="457200" y="1628800"/>
+            <a:ext cx="7467600" cy="4845152"/>
+          </a:xfrm>
+        </p:spPr>
         <p:txBody>
           <a:bodyPr>
             <a:normAutofit/>
@@ -8569,10 +8297,17 @@
                 <a:latin typeface="Times New Roman" pitchFamily="18" charset="0"/>
                 <a:cs typeface="Times New Roman" pitchFamily="18" charset="0"/>
               </a:rPr>
-              <a:t> Abstract</a:t>
-            </a:r>
-            <a:r>
-              <a:rPr lang="en-IN" sz="3200" dirty="0" smtClean="0">
+              <a:t> </a:t>
+            </a:r>
+            <a:r>
+              <a:rPr lang="en-US" sz="3100" dirty="0" smtClean="0">
+                <a:latin typeface="Times New Roman" pitchFamily="18" charset="0"/>
+                <a:cs typeface="Times New Roman" pitchFamily="18" charset="0"/>
+              </a:rPr>
+              <a:t>Abstract</a:t>
+            </a:r>
+            <a:r>
+              <a:rPr lang="en-IN" sz="3100" dirty="0" smtClean="0">
                 <a:latin typeface="Times New Roman" pitchFamily="18" charset="0"/>
                 <a:cs typeface="Times New Roman" pitchFamily="18" charset="0"/>
               </a:rPr>
@@ -8581,7 +8316,7 @@
           </a:p>
           <a:p>
             <a:r>
-              <a:rPr lang="en-US" sz="3200" dirty="0" smtClean="0">
+              <a:rPr lang="en-US" sz="3100" dirty="0" smtClean="0">
                 <a:latin typeface="Times New Roman" pitchFamily="18" charset="0"/>
                 <a:cs typeface="Times New Roman" pitchFamily="18" charset="0"/>
               </a:rPr>
@@ -8590,7 +8325,7 @@
           </a:p>
           <a:p>
             <a:r>
-              <a:rPr lang="en-US" sz="3200" dirty="0" smtClean="0">
+              <a:rPr lang="en-US" sz="3100" dirty="0" smtClean="0">
                 <a:latin typeface="Times New Roman" pitchFamily="18" charset="0"/>
                 <a:cs typeface="Times New Roman" pitchFamily="18" charset="0"/>
               </a:rPr>
@@ -8599,7 +8334,7 @@
           </a:p>
           <a:p>
             <a:r>
-              <a:rPr lang="en-US" sz="3200" dirty="0" smtClean="0">
+              <a:rPr lang="en-US" sz="3100" dirty="0" smtClean="0">
                 <a:latin typeface="Times New Roman" pitchFamily="18" charset="0"/>
                 <a:cs typeface="Times New Roman" pitchFamily="18" charset="0"/>
               </a:rPr>
@@ -8608,7 +8343,7 @@
           </a:p>
           <a:p>
             <a:r>
-              <a:rPr lang="en-US" sz="3200" dirty="0" smtClean="0">
+              <a:rPr lang="en-US" sz="3100" dirty="0" smtClean="0">
                 <a:latin typeface="Times New Roman" pitchFamily="18" charset="0"/>
                 <a:cs typeface="Times New Roman" pitchFamily="18" charset="0"/>
               </a:rPr>
@@ -8617,7 +8352,7 @@
           </a:p>
           <a:p>
             <a:r>
-              <a:rPr lang="en-US" sz="3200" dirty="0" smtClean="0">
+              <a:rPr lang="en-US" sz="3100" dirty="0" smtClean="0">
                 <a:latin typeface="Times New Roman" pitchFamily="18" charset="0"/>
                 <a:cs typeface="Times New Roman" pitchFamily="18" charset="0"/>
               </a:rPr>
@@ -9138,7 +8873,7 @@
           <p:cNvPr id="4" name="Content Placeholder 4" descr="Diagram&#10;&#10;Description automatically generated">
             <a:extLst>
               <a:ext uri="{FF2B5EF4-FFF2-40B4-BE49-F238E27FC236}">
-                <a16:creationId xmlns="" xmlns:a16="http://schemas.microsoft.com/office/drawing/2014/main" id="{786EE99D-8A51-41FC-9A2E-65DC721988C5}"/>
+                <a16:creationId xmlns:a16="http://schemas.microsoft.com/office/drawing/2014/main" xmlns="" id="{786EE99D-8A51-41FC-9A2E-65DC721988C5}"/>
               </a:ext>
             </a:extLst>
           </p:cNvPr>
@@ -9730,7 +9465,7 @@
                 <a:hlinkClick r:id="rId2">
                   <a:extLst>
                     <a:ext uri="{A12FA001-AC4F-418D-AE19-62706E023703}">
-                      <ahyp:hlinkClr xmlns:ahyp="http://schemas.microsoft.com/office/drawing/2018/hyperlinkcolor" xmlns="" xmlns:lc="http://schemas.openxmlformats.org/drawingml/2006/lockedCanvas" val="tx"/>
+                      <ahyp:hlinkClr xmlns:lc="http://schemas.openxmlformats.org/drawingml/2006/lockedCanvas" xmlns="" xmlns:ahyp="http://schemas.microsoft.com/office/drawing/2018/hyperlinkcolor" val="tx"/>
                     </a:ext>
                   </a:extLst>
                 </a:hlinkClick>
@@ -9765,7 +9500,7 @@
                 <a:hlinkClick r:id="rId3">
                   <a:extLst>
                     <a:ext uri="{A12FA001-AC4F-418D-AE19-62706E023703}">
-                      <ahyp:hlinkClr xmlns:ahyp="http://schemas.microsoft.com/office/drawing/2018/hyperlinkcolor" xmlns="" xmlns:lc="http://schemas.openxmlformats.org/drawingml/2006/lockedCanvas" val="tx"/>
+                      <ahyp:hlinkClr xmlns:lc="http://schemas.openxmlformats.org/drawingml/2006/lockedCanvas" xmlns="" xmlns:ahyp="http://schemas.microsoft.com/office/drawing/2018/hyperlinkcolor" val="tx"/>
                     </a:ext>
                   </a:extLst>
                 </a:hlinkClick>
@@ -9828,7 +9563,7 @@
                 <a:hlinkClick r:id="rId4">
                   <a:extLst>
                     <a:ext uri="{A12FA001-AC4F-418D-AE19-62706E023703}">
-                      <ahyp:hlinkClr xmlns:ahyp="http://schemas.microsoft.com/office/drawing/2018/hyperlinkcolor" xmlns="" xmlns:lc="http://schemas.openxmlformats.org/drawingml/2006/lockedCanvas" val="tx"/>
+                      <ahyp:hlinkClr xmlns:lc="http://schemas.openxmlformats.org/drawingml/2006/lockedCanvas" xmlns="" xmlns:ahyp="http://schemas.microsoft.com/office/drawing/2018/hyperlinkcolor" val="tx"/>
                     </a:ext>
                   </a:extLst>
                 </a:hlinkClick>
@@ -9851,7 +9586,7 @@
                 <a:hlinkClick r:id="rId5">
                   <a:extLst>
                     <a:ext uri="{A12FA001-AC4F-418D-AE19-62706E023703}">
-                      <ahyp:hlinkClr xmlns:ahyp="http://schemas.microsoft.com/office/drawing/2018/hyperlinkcolor" xmlns="" xmlns:lc="http://schemas.openxmlformats.org/drawingml/2006/lockedCanvas" val="tx"/>
+                      <ahyp:hlinkClr xmlns:lc="http://schemas.openxmlformats.org/drawingml/2006/lockedCanvas" xmlns="" xmlns:ahyp="http://schemas.microsoft.com/office/drawing/2018/hyperlinkcolor" val="tx"/>
                     </a:ext>
                   </a:extLst>
                 </a:hlinkClick>
@@ -9877,7 +9612,7 @@
                 <a:hlinkClick r:id="rId2">
                   <a:extLst>
                     <a:ext uri="{A12FA001-AC4F-418D-AE19-62706E023703}">
-                      <ahyp:hlinkClr xmlns:ahyp="http://schemas.microsoft.com/office/drawing/2018/hyperlinkcolor" xmlns="" xmlns:lc="http://schemas.openxmlformats.org/drawingml/2006/lockedCanvas" val="tx"/>
+                      <ahyp:hlinkClr xmlns:lc="http://schemas.openxmlformats.org/drawingml/2006/lockedCanvas" xmlns="" xmlns:ahyp="http://schemas.microsoft.com/office/drawing/2018/hyperlinkcolor" val="tx"/>
                     </a:ext>
                   </a:extLst>
                 </a:hlinkClick>
@@ -9900,7 +9635,7 @@
                 <a:hlinkClick r:id="rId3">
                   <a:extLst>
                     <a:ext uri="{A12FA001-AC4F-418D-AE19-62706E023703}">
-                      <ahyp:hlinkClr xmlns:ahyp="http://schemas.microsoft.com/office/drawing/2018/hyperlinkcolor" xmlns="" xmlns:lc="http://schemas.openxmlformats.org/drawingml/2006/lockedCanvas" val="tx"/>
+                      <ahyp:hlinkClr xmlns:lc="http://schemas.openxmlformats.org/drawingml/2006/lockedCanvas" xmlns="" xmlns:ahyp="http://schemas.microsoft.com/office/drawing/2018/hyperlinkcolor" val="tx"/>
                     </a:ext>
                   </a:extLst>
                 </a:hlinkClick>
